--- a/hw2/HW2.pptx
+++ b/hw2/HW2.pptx
@@ -254,7 +254,7 @@
           <a:p>
             <a:fld id="{9553D06D-798D-41B2-8E09-945CDEC492DF}" type="datetimeFigureOut">
               <a:rPr lang="zh-TW" altLang="en-US" smtClean="0"/>
-              <a:t>2021/11/2</a:t>
+              <a:t>2021/11/5</a:t>
             </a:fld>
             <a:endParaRPr lang="zh-TW" altLang="en-US"/>
           </a:p>
@@ -424,7 +424,7 @@
           <a:p>
             <a:fld id="{9553D06D-798D-41B2-8E09-945CDEC492DF}" type="datetimeFigureOut">
               <a:rPr lang="zh-TW" altLang="en-US" smtClean="0"/>
-              <a:t>2021/11/2</a:t>
+              <a:t>2021/11/5</a:t>
             </a:fld>
             <a:endParaRPr lang="zh-TW" altLang="en-US"/>
           </a:p>
@@ -604,7 +604,7 @@
           <a:p>
             <a:fld id="{9553D06D-798D-41B2-8E09-945CDEC492DF}" type="datetimeFigureOut">
               <a:rPr lang="zh-TW" altLang="en-US" smtClean="0"/>
-              <a:t>2021/11/2</a:t>
+              <a:t>2021/11/5</a:t>
             </a:fld>
             <a:endParaRPr lang="zh-TW" altLang="en-US"/>
           </a:p>
@@ -774,7 +774,7 @@
           <a:p>
             <a:fld id="{9553D06D-798D-41B2-8E09-945CDEC492DF}" type="datetimeFigureOut">
               <a:rPr lang="zh-TW" altLang="en-US" smtClean="0"/>
-              <a:t>2021/11/2</a:t>
+              <a:t>2021/11/5</a:t>
             </a:fld>
             <a:endParaRPr lang="zh-TW" altLang="en-US"/>
           </a:p>
@@ -1020,7 +1020,7 @@
           <a:p>
             <a:fld id="{9553D06D-798D-41B2-8E09-945CDEC492DF}" type="datetimeFigureOut">
               <a:rPr lang="zh-TW" altLang="en-US" smtClean="0"/>
-              <a:t>2021/11/2</a:t>
+              <a:t>2021/11/5</a:t>
             </a:fld>
             <a:endParaRPr lang="zh-TW" altLang="en-US"/>
           </a:p>
@@ -1252,7 +1252,7 @@
           <a:p>
             <a:fld id="{9553D06D-798D-41B2-8E09-945CDEC492DF}" type="datetimeFigureOut">
               <a:rPr lang="zh-TW" altLang="en-US" smtClean="0"/>
-              <a:t>2021/11/2</a:t>
+              <a:t>2021/11/5</a:t>
             </a:fld>
             <a:endParaRPr lang="zh-TW" altLang="en-US"/>
           </a:p>
@@ -1619,7 +1619,7 @@
           <a:p>
             <a:fld id="{9553D06D-798D-41B2-8E09-945CDEC492DF}" type="datetimeFigureOut">
               <a:rPr lang="zh-TW" altLang="en-US" smtClean="0"/>
-              <a:t>2021/11/2</a:t>
+              <a:t>2021/11/5</a:t>
             </a:fld>
             <a:endParaRPr lang="zh-TW" altLang="en-US"/>
           </a:p>
@@ -1737,7 +1737,7 @@
           <a:p>
             <a:fld id="{9553D06D-798D-41B2-8E09-945CDEC492DF}" type="datetimeFigureOut">
               <a:rPr lang="zh-TW" altLang="en-US" smtClean="0"/>
-              <a:t>2021/11/2</a:t>
+              <a:t>2021/11/5</a:t>
             </a:fld>
             <a:endParaRPr lang="zh-TW" altLang="en-US"/>
           </a:p>
@@ -1832,7 +1832,7 @@
           <a:p>
             <a:fld id="{9553D06D-798D-41B2-8E09-945CDEC492DF}" type="datetimeFigureOut">
               <a:rPr lang="zh-TW" altLang="en-US" smtClean="0"/>
-              <a:t>2021/11/2</a:t>
+              <a:t>2021/11/5</a:t>
             </a:fld>
             <a:endParaRPr lang="zh-TW" altLang="en-US"/>
           </a:p>
@@ -2109,7 +2109,7 @@
           <a:p>
             <a:fld id="{9553D06D-798D-41B2-8E09-945CDEC492DF}" type="datetimeFigureOut">
               <a:rPr lang="zh-TW" altLang="en-US" smtClean="0"/>
-              <a:t>2021/11/2</a:t>
+              <a:t>2021/11/5</a:t>
             </a:fld>
             <a:endParaRPr lang="zh-TW" altLang="en-US"/>
           </a:p>
@@ -2362,7 +2362,7 @@
           <a:p>
             <a:fld id="{9553D06D-798D-41B2-8E09-945CDEC492DF}" type="datetimeFigureOut">
               <a:rPr lang="zh-TW" altLang="en-US" smtClean="0"/>
-              <a:t>2021/11/2</a:t>
+              <a:t>2021/11/5</a:t>
             </a:fld>
             <a:endParaRPr lang="zh-TW" altLang="en-US"/>
           </a:p>
@@ -2575,7 +2575,7 @@
           <a:p>
             <a:fld id="{9553D06D-798D-41B2-8E09-945CDEC492DF}" type="datetimeFigureOut">
               <a:rPr lang="zh-TW" altLang="en-US" smtClean="0"/>
-              <a:t>2021/11/2</a:t>
+              <a:t>2021/11/5</a:t>
             </a:fld>
             <a:endParaRPr lang="zh-TW" altLang="en-US"/>
           </a:p>
@@ -3808,15 +3808,7 @@
             <a:pPr lvl="1"/>
             <a:r>
               <a:rPr lang="en-US" altLang="zh-TW" dirty="0" smtClean="0"/>
-              <a:t>Social feedback data: </a:t>
-            </a:r>
-            <a:r>
-              <a:rPr lang="en-US" altLang="zh-TW" dirty="0" smtClean="0"/>
-              <a:t>12 CSV </a:t>
-            </a:r>
-            <a:r>
-              <a:rPr lang="en-US" altLang="zh-TW" dirty="0" smtClean="0"/>
-              <a:t>files for 4 topics on 3 platforms</a:t>
+              <a:t>Social feedback data: 12 CSV files for 4 topics on 3 platforms</a:t>
             </a:r>
             <a:endParaRPr lang="zh-TW" altLang="en-US" dirty="0"/>
           </a:p>
@@ -4558,6 +4550,43 @@
                   <a:srgbClr val="FF0000"/>
                 </a:solidFill>
               </a:rPr>
+              <a:t>&lt;word&gt; &lt;count&gt;</a:t>
+            </a:r>
+            <a:r>
+              <a:rPr lang="en-US" altLang="zh-TW" dirty="0" smtClean="0"/>
+              <a:t> (in total)</a:t>
+            </a:r>
+          </a:p>
+          <a:p>
+            <a:pPr marL="457200" lvl="1" indent="0">
+              <a:buNone/>
+            </a:pPr>
+            <a:r>
+              <a:rPr lang="en-US" altLang="zh-TW" dirty="0" smtClean="0">
+                <a:solidFill>
+                  <a:srgbClr val="FF0000"/>
+                </a:solidFill>
+              </a:rPr>
+              <a:t>	              &lt;</a:t>
+            </a:r>
+            <a:r>
+              <a:rPr lang="en-US" altLang="zh-TW" dirty="0">
+                <a:solidFill>
+                  <a:srgbClr val="FF0000"/>
+                </a:solidFill>
+              </a:rPr>
+              <a:t>date&gt;/&lt;topic&gt;</a:t>
+            </a:r>
+            <a:r>
+              <a:rPr lang="en-US" altLang="zh-TW" dirty="0"/>
+              <a:t> </a:t>
+            </a:r>
+            <a:r>
+              <a:rPr lang="en-US" altLang="zh-TW" dirty="0">
+                <a:solidFill>
+                  <a:srgbClr val="FF0000"/>
+                </a:solidFill>
+              </a:rPr>
               <a:t>&lt;word&gt; &lt;count</a:t>
             </a:r>
             <a:r>
@@ -4570,54 +4599,8 @@
             </a:r>
             <a:r>
               <a:rPr lang="en-US" altLang="zh-TW" dirty="0" smtClean="0"/>
-              <a:t> (in total)</a:t>
-            </a:r>
-          </a:p>
-          <a:p>
-            <a:pPr marL="457200" lvl="1" indent="0">
-              <a:buNone/>
-            </a:pPr>
-            <a:r>
-              <a:rPr lang="en-US" altLang="zh-TW" dirty="0" smtClean="0">
-                <a:solidFill>
-                  <a:srgbClr val="FF0000"/>
-                </a:solidFill>
-              </a:rPr>
-              <a:t>	              &lt;</a:t>
-            </a:r>
-            <a:r>
-              <a:rPr lang="en-US" altLang="zh-TW" dirty="0">
-                <a:solidFill>
-                  <a:srgbClr val="FF0000"/>
-                </a:solidFill>
-              </a:rPr>
-              <a:t>date&gt;/&lt;topic&gt;</a:t>
-            </a:r>
-            <a:r>
-              <a:rPr lang="en-US" altLang="zh-TW" dirty="0"/>
-              <a:t> </a:t>
-            </a:r>
-            <a:r>
-              <a:rPr lang="en-US" altLang="zh-TW" dirty="0">
-                <a:solidFill>
-                  <a:srgbClr val="FF0000"/>
-                </a:solidFill>
-              </a:rPr>
-              <a:t>&lt;word&gt; &lt;count</a:t>
-            </a:r>
-            <a:r>
-              <a:rPr lang="en-US" altLang="zh-TW" dirty="0" smtClean="0">
-                <a:solidFill>
-                  <a:srgbClr val="FF0000"/>
-                </a:solidFill>
-              </a:rPr>
-              <a:t>&gt;</a:t>
-            </a:r>
-            <a:r>
-              <a:rPr lang="en-US" altLang="zh-TW" dirty="0" smtClean="0"/>
               <a:t> (per day/per topic)</a:t>
             </a:r>
-            <a:endParaRPr lang="en-US" altLang="zh-TW" dirty="0" smtClean="0"/>
           </a:p>
           <a:p>
             <a:pPr lvl="1"/>
@@ -4630,21 +4613,8 @@
             <a:pPr lvl="2"/>
             <a:r>
               <a:rPr lang="en-US" altLang="zh-TW" dirty="0" smtClean="0"/>
-              <a:t>That will make more numbers of sorted lists: </a:t>
-            </a:r>
-            <a:r>
-              <a:rPr lang="en-US" altLang="zh-TW" dirty="0" smtClean="0"/>
-              <a:t>n*2 </a:t>
-            </a:r>
-            <a:r>
-              <a:rPr lang="en-US" altLang="zh-TW" dirty="0" smtClean="0"/>
-              <a:t>lists by day, and 4*2 by </a:t>
-            </a:r>
-            <a:r>
-              <a:rPr lang="en-US" altLang="zh-TW" dirty="0" smtClean="0"/>
-              <a:t>topic</a:t>
-            </a:r>
-            <a:endParaRPr lang="en-US" altLang="zh-TW" dirty="0" smtClean="0"/>
+              <a:t>That will make more numbers of sorted lists: n*2 lists by day, and 4*2 by topic</a:t>
+            </a:r>
           </a:p>
           <a:p>
             <a:r>
@@ -4882,15 +4852,7 @@
                   <a:srgbClr val="FF0000"/>
                 </a:solidFill>
               </a:rPr>
-              <a:t>The generated </a:t>
-            </a:r>
-            <a:r>
-              <a:rPr lang="en-US" altLang="zh-TW" dirty="0" smtClean="0">
-                <a:solidFill>
-                  <a:srgbClr val="FF0000"/>
-                </a:solidFill>
-              </a:rPr>
-              <a:t>output </a:t>
+              <a:t>The generated output </a:t>
             </a:r>
             <a:endParaRPr lang="en-US" altLang="zh-TW" dirty="0" smtClean="0"/>
           </a:p>
@@ -4936,15 +4898,7 @@
                   <a:srgbClr val="FF0000"/>
                 </a:solidFill>
               </a:rPr>
-              <a:t>Nov. </a:t>
-            </a:r>
-            <a:r>
-              <a:rPr lang="en-US" altLang="zh-TW" dirty="0" smtClean="0">
-                <a:solidFill>
-                  <a:srgbClr val="FF0000"/>
-                </a:solidFill>
-              </a:rPr>
-              <a:t>16, 2021</a:t>
+              <a:t>Nov. 16, 2021</a:t>
             </a:r>
             <a:r>
               <a:rPr lang="en-US" altLang="zh-TW" dirty="0" smtClean="0"/>
